--- a/Mastering Supabase Session13.pptx
+++ b/Mastering Supabase Session13.pptx
@@ -21882,7 +21882,7 @@
             </a:pPr>
             <a:r>
               <a:rPr lang="en-US">
-                <a:hlinkClick r:id="rId2" tooltip="" action="ppaction://hlinkfile"/>
+                <a:hlinkClick r:id="rId2" action="ppaction://hlinkfile"/>
               </a:rPr>
               <a:t>software slides</a:t>
             </a:r>
@@ -22474,12 +22474,12 @@
             </a:pPr>
             <a:r>
               <a:rPr lang="en-US">
-                <a:hlinkClick r:id="rId2" tooltip="" action="ppaction://hlinkfile"/>
+                <a:hlinkClick r:id="rId2" action="ppaction://hlinkfile"/>
               </a:rPr>
               <a:t>Software Course Materials</a:t>
             </a:r>
             <a:endParaRPr lang="en-US">
-              <a:hlinkClick r:id="rId2" tooltip="" action="ppaction://hlinkfile"/>
+              <a:hlinkClick r:id="rId2" action="ppaction://hlinkfile"/>
             </a:endParaRPr>
           </a:p>
           <a:p>
@@ -24970,7 +24970,7 @@
             </a:r>
             <a:r>
               <a:rPr lang="en-US"/>
-              <a:t>, Importance &amp; Phases Overview</a:t>
+              <a:t>, Importance &amp; Phases Overview.</a:t>
             </a:r>
             <a:endParaRPr lang="en-US"/>
           </a:p>
@@ -25013,7 +25013,7 @@
             </a:r>
             <a:r>
               <a:rPr lang="en-US"/>
-              <a:t> &amp; Analysis &amp; Documentation</a:t>
+              <a:t> &amp; Analysis &amp; Documentation.</a:t>
             </a:r>
             <a:endParaRPr lang="en-US"/>
           </a:p>
@@ -25298,7 +25298,7 @@
             </a:r>
             <a:r>
               <a:rPr lang="en-US"/>
-              <a:t> &amp; Timeline Estimation</a:t>
+              <a:t> &amp; Timeline Estimation.</a:t>
             </a:r>
             <a:endParaRPr lang="en-US"/>
           </a:p>
@@ -26043,7 +26043,7 @@
             </a:r>
             <a:r>
               <a:rPr lang="en-US"/>
-              <a:t> &amp; Wireframing &amp; Feedback Loops</a:t>
+              <a:t> &amp; Wireframing &amp; Feedback Loops.</a:t>
             </a:r>
             <a:endParaRPr lang="en-US"/>
           </a:p>
@@ -26086,7 +26086,7 @@
             </a:r>
             <a:r>
               <a:rPr lang="en-US"/>
-              <a:t>, Database Schema Design</a:t>
+              <a:t>, Database Schema Design.</a:t>
             </a:r>
             <a:endParaRPr lang="en-US"/>
           </a:p>
@@ -26367,7 +26367,7 @@
             </a:r>
             <a:r>
               <a:rPr lang="en-US"/>
-              <a:t>, Class, Sequence &amp; Activity Diagrams</a:t>
+              <a:t>, Class, Sequence &amp; Activity Diagrams.</a:t>
             </a:r>
             <a:endParaRPr lang="en-US"/>
           </a:p>
